--- a/Seminarska.pptx
+++ b/Seminarska.pptx
@@ -112,6 +112,11 @@
       </a:defRPr>
     </a:lvl9pPr>
   </p:defaultTextStyle>
+  <p:extLst>
+    <p:ext uri="{EFAFB233-063F-42B5-8137-9DF3F51BA10A}">
+      <p15:sldGuideLst xmlns:p15="http://schemas.microsoft.com/office/powerpoint/2012/main"/>
+    </p:ext>
+  </p:extLst>
 </p:presentation>
 </file>
 
@@ -12737,22 +12742,22 @@
               <a:t> </a:t>
             </a:r>
             <a:r>
-              <a:rPr lang="sl-SI" dirty="0" err="1"/>
+              <a:rPr lang="sl-SI" dirty="0" err="1" smtClean="0"/>
               <a:t>system</a:t>
             </a:r>
+            <a:r>
+              <a:rPr lang="sl-SI" dirty="0" smtClean="0"/>
+              <a:t> (decentraliziran)</a:t>
+            </a:r>
             <a:endParaRPr lang="sl-SI" dirty="0"/>
           </a:p>
           <a:p>
             <a:r>
-              <a:rPr lang="sl-SI" dirty="0"/>
-              <a:t>Naredil ga je </a:t>
-            </a:r>
-            <a:r>
-              <a:rPr lang="sl-SI" dirty="0" err="1"/>
+              <a:rPr lang="sl-SI" dirty="0" err="1" smtClean="0"/>
               <a:t>Linus</a:t>
             </a:r>
             <a:r>
-              <a:rPr lang="sl-SI" dirty="0"/>
+              <a:rPr lang="sl-SI" dirty="0" smtClean="0"/>
               <a:t> </a:t>
             </a:r>
             <a:r>
@@ -12778,18 +12783,13 @@
               <a:t>Je open </a:t>
             </a:r>
             <a:r>
-              <a:rPr lang="sl-SI" dirty="0" err="1"/>
+              <a:rPr lang="sl-SI" dirty="0" err="1" smtClean="0"/>
               <a:t>source</a:t>
             </a:r>
-            <a:endParaRPr lang="sl-SI" dirty="0"/>
-          </a:p>
-          <a:p>
-            <a:r>
-              <a:rPr lang="sl-SI" dirty="0"/>
-              <a:t>Je decentraliziran</a:t>
-            </a:r>
-          </a:p>
-          <a:p>
+            <a:r>
+              <a:rPr lang="sl-SI" dirty="0" smtClean="0"/>
+              <a:t> software</a:t>
+            </a:r>
             <a:endParaRPr lang="sl-SI" dirty="0"/>
           </a:p>
           <a:p>
@@ -13051,17 +13051,18 @@
           <a:lstStyle/>
           <a:p>
             <a:r>
-              <a:rPr lang="sl-SI" dirty="0"/>
+              <a:rPr lang="sl-SI" dirty="0" smtClean="0"/>
               <a:t>Ker je decentraliziran je vsak </a:t>
             </a:r>
             <a:r>
-              <a:rPr lang="sl-SI" dirty="0" err="1"/>
+              <a:rPr lang="sl-SI" dirty="0" err="1" smtClean="0"/>
               <a:t>repozitorij</a:t>
             </a:r>
             <a:r>
-              <a:rPr lang="sl-SI" dirty="0"/>
+              <a:rPr lang="sl-SI" dirty="0" smtClean="0"/>
               <a:t> delujoča verzija</a:t>
             </a:r>
+            <a:endParaRPr lang="sl-SI" dirty="0"/>
           </a:p>
           <a:p>
             <a:r>
@@ -13110,8 +13111,23 @@
               <a:t>, ki je ponudnik gostovanja programske kode, le ta pa uporablja </a:t>
             </a:r>
             <a:r>
-              <a:rPr lang="sl-SI" dirty="0" err="1"/>
+              <a:rPr lang="sl-SI" dirty="0" err="1" smtClean="0"/>
               <a:t>git</a:t>
+            </a:r>
+            <a:endParaRPr lang="sl-SI" dirty="0" smtClean="0"/>
+          </a:p>
+          <a:p>
+            <a:r>
+              <a:rPr lang="sl-SI" dirty="0" smtClean="0"/>
+              <a:t>Integracija z IDE-ji (integrirano razvojno okolje </a:t>
+            </a:r>
+            <a:r>
+              <a:rPr lang="sl-SI" dirty="0" err="1" smtClean="0"/>
+              <a:t>JetBrains</a:t>
+            </a:r>
+            <a:r>
+              <a:rPr lang="sl-SI" dirty="0" smtClean="0"/>
+              <a:t> produkti, VSC)</a:t>
             </a:r>
             <a:endParaRPr lang="sl-SI" dirty="0"/>
           </a:p>
@@ -13149,8 +13165,8 @@
         </p:blipFill>
         <p:spPr bwMode="auto">
           <a:xfrm>
-            <a:off x="8090934" y="4419600"/>
-            <a:ext cx="2857500" cy="1600200"/>
+            <a:off x="9255073" y="2186246"/>
+            <a:ext cx="2192123" cy="1227589"/>
           </a:xfrm>
           <a:prstGeom prst="rect">
             <a:avLst/>
